--- a/docs/Mockups/Dashboard/Improved Dashboard Mockup.pptx
+++ b/docs/Mockups/Dashboard/Improved Dashboard Mockup.pptx
@@ -3684,9 +3684,24 @@
           <a:prstGeom prst="mathMultiply">
             <a:avLst/>
           </a:prstGeom>
-          <a:solidFill>
-            <a:srgbClr val="FF0000"/>
-          </a:solidFill>
+          <a:gradFill flip="none" rotWithShape="1">
+            <a:gsLst>
+              <a:gs pos="0">
+                <a:srgbClr val="FF0000">
+                  <a:lumMod val="24000"/>
+                  <a:lumOff val="76000"/>
+                </a:srgbClr>
+              </a:gs>
+              <a:gs pos="60000">
+                <a:srgbClr val="FF0000"/>
+              </a:gs>
+              <a:gs pos="100000">
+                <a:srgbClr val="FF0000"/>
+              </a:gs>
+            </a:gsLst>
+            <a:lin ang="10800000" scaled="1"/>
+            <a:tileRect/>
+          </a:gradFill>
           <a:ln w="3175">
             <a:solidFill>
               <a:schemeClr val="tx1">
@@ -3878,11 +3893,28 @@
           <a:prstGeom prst="mathMultiply">
             <a:avLst/>
           </a:prstGeom>
-          <a:solidFill>
-            <a:schemeClr val="bg1">
-              <a:lumMod val="85000"/>
-            </a:schemeClr>
-          </a:solidFill>
+          <a:gradFill flip="none" rotWithShape="1">
+            <a:gsLst>
+              <a:gs pos="0">
+                <a:schemeClr val="bg1">
+                  <a:lumMod val="24000"/>
+                  <a:lumOff val="76000"/>
+                </a:schemeClr>
+              </a:gs>
+              <a:gs pos="63000">
+                <a:schemeClr val="bg1">
+                  <a:lumMod val="85000"/>
+                </a:schemeClr>
+              </a:gs>
+              <a:gs pos="100000">
+                <a:schemeClr val="bg1">
+                  <a:lumMod val="85000"/>
+                </a:schemeClr>
+              </a:gs>
+            </a:gsLst>
+            <a:lin ang="10800000" scaled="1"/>
+            <a:tileRect/>
+          </a:gradFill>
           <a:ln w="3175">
             <a:solidFill>
               <a:schemeClr val="tx1">
@@ -3891,60 +3923,6 @@
               </a:schemeClr>
             </a:solidFill>
           </a:ln>
-        </p:spPr>
-        <p:style>
-          <a:lnRef idx="2">
-            <a:schemeClr val="accent1">
-              <a:shade val="50000"/>
-            </a:schemeClr>
-          </a:lnRef>
-          <a:fillRef idx="1">
-            <a:schemeClr val="accent1"/>
-          </a:fillRef>
-          <a:effectRef idx="0">
-            <a:schemeClr val="accent1"/>
-          </a:effectRef>
-          <a:fontRef idx="minor">
-            <a:schemeClr val="lt1"/>
-          </a:fontRef>
-        </p:style>
-        <p:txBody>
-          <a:bodyPr rtlCol="0" anchor="ctr"/>
-          <a:lstStyle/>
-          <a:p>
-            <a:pPr algn="ctr"/>
-            <a:endParaRPr lang="en-US"/>
-          </a:p>
-        </p:txBody>
-      </p:sp>
-      <p:sp>
-        <p:nvSpPr>
-          <p:cNvPr id="60" name="Multiply 59"/>
-          <p:cNvSpPr/>
-          <p:nvPr/>
-        </p:nvSpPr>
-        <p:spPr>
-          <a:xfrm>
-            <a:off x="152400" y="4267200"/>
-            <a:ext cx="381000" cy="381000"/>
-          </a:xfrm>
-          <a:prstGeom prst="mathMultiply">
-            <a:avLst/>
-          </a:prstGeom>
-          <a:solidFill>
-            <a:schemeClr val="bg1">
-              <a:lumMod val="85000"/>
-            </a:schemeClr>
-          </a:solidFill>
-          <a:ln w="3175">
-            <a:solidFill>
-              <a:schemeClr val="tx1">
-                <a:lumMod val="75000"/>
-                <a:lumOff val="25000"/>
-              </a:schemeClr>
-            </a:solidFill>
-          </a:ln>
-          <a:effectLst/>
         </p:spPr>
         <p:style>
           <a:lnRef idx="2">
@@ -4130,6 +4108,76 @@
           </a:fontRef>
         </p:style>
       </p:cxnSp>
+      <p:sp>
+        <p:nvSpPr>
+          <p:cNvPr id="20" name="Multiply 19"/>
+          <p:cNvSpPr/>
+          <p:nvPr/>
+        </p:nvSpPr>
+        <p:spPr>
+          <a:xfrm>
+            <a:off x="152400" y="4267199"/>
+            <a:ext cx="381000" cy="381000"/>
+          </a:xfrm>
+          <a:prstGeom prst="mathMultiply">
+            <a:avLst/>
+          </a:prstGeom>
+          <a:gradFill flip="none" rotWithShape="1">
+            <a:gsLst>
+              <a:gs pos="0">
+                <a:schemeClr val="bg1">
+                  <a:lumMod val="24000"/>
+                  <a:lumOff val="76000"/>
+                </a:schemeClr>
+              </a:gs>
+              <a:gs pos="63000">
+                <a:schemeClr val="bg1">
+                  <a:lumMod val="85000"/>
+                </a:schemeClr>
+              </a:gs>
+              <a:gs pos="100000">
+                <a:schemeClr val="bg1">
+                  <a:lumMod val="85000"/>
+                </a:schemeClr>
+              </a:gs>
+            </a:gsLst>
+            <a:lin ang="10800000" scaled="1"/>
+            <a:tileRect/>
+          </a:gradFill>
+          <a:ln w="3175">
+            <a:solidFill>
+              <a:schemeClr val="tx1">
+                <a:lumMod val="85000"/>
+                <a:lumOff val="15000"/>
+              </a:schemeClr>
+            </a:solidFill>
+          </a:ln>
+        </p:spPr>
+        <p:style>
+          <a:lnRef idx="2">
+            <a:schemeClr val="accent1">
+              <a:shade val="50000"/>
+            </a:schemeClr>
+          </a:lnRef>
+          <a:fillRef idx="1">
+            <a:schemeClr val="accent1"/>
+          </a:fillRef>
+          <a:effectRef idx="0">
+            <a:schemeClr val="accent1"/>
+          </a:effectRef>
+          <a:fontRef idx="minor">
+            <a:schemeClr val="lt1"/>
+          </a:fontRef>
+        </p:style>
+        <p:txBody>
+          <a:bodyPr rtlCol="0" anchor="ctr"/>
+          <a:lstStyle/>
+          <a:p>
+            <a:pPr algn="ctr"/>
+            <a:endParaRPr lang="en-US"/>
+          </a:p>
+        </p:txBody>
+      </p:sp>
     </p:spTree>
     <p:extLst>
       <p:ext uri="{BB962C8B-B14F-4D97-AF65-F5344CB8AC3E}">

--- a/docs/Mockups/Dashboard/Improved Dashboard Mockup.pptx
+++ b/docs/Mockups/Dashboard/Improved Dashboard Mockup.pptx
@@ -4178,6 +4178,58 @@
           </a:p>
         </p:txBody>
       </p:sp>
+      <p:sp>
+        <p:nvSpPr>
+          <p:cNvPr id="21" name="Rectangle 20"/>
+          <p:cNvSpPr/>
+          <p:nvPr/>
+        </p:nvSpPr>
+        <p:spPr>
+          <a:xfrm>
+            <a:off x="66670" y="2686050"/>
+            <a:ext cx="495305" cy="2362200"/>
+          </a:xfrm>
+          <a:prstGeom prst="rect">
+            <a:avLst/>
+          </a:prstGeom>
+          <a:solidFill>
+            <a:schemeClr val="bg1">
+              <a:alpha val="80000"/>
+            </a:schemeClr>
+          </a:solidFill>
+          <a:ln w="3175">
+            <a:noFill/>
+          </a:ln>
+        </p:spPr>
+        <p:style>
+          <a:lnRef idx="2">
+            <a:schemeClr val="accent1">
+              <a:shade val="50000"/>
+            </a:schemeClr>
+          </a:lnRef>
+          <a:fillRef idx="1">
+            <a:schemeClr val="accent1"/>
+          </a:fillRef>
+          <a:effectRef idx="0">
+            <a:schemeClr val="accent1"/>
+          </a:effectRef>
+          <a:fontRef idx="minor">
+            <a:schemeClr val="lt1"/>
+          </a:fontRef>
+        </p:style>
+        <p:txBody>
+          <a:bodyPr rtlCol="0" anchor="ctr"/>
+          <a:lstStyle/>
+          <a:p>
+            <a:pPr algn="ctr"/>
+            <a:endParaRPr lang="en-US" dirty="0" smtClean="0">
+              <a:solidFill>
+                <a:schemeClr val="tx1"/>
+              </a:solidFill>
+            </a:endParaRPr>
+          </a:p>
+        </p:txBody>
+      </p:sp>
     </p:spTree>
     <p:extLst>
       <p:ext uri="{BB962C8B-B14F-4D97-AF65-F5344CB8AC3E}">
